--- a/en/ProgrammingLessons/beginner/scratch-Display.pptx
+++ b/en/ProgrammingLessons/beginner/scratch-Display.pptx
@@ -127,7 +127,7 @@
   </p:defaultTextStyle>
   <p:extLst>
     <p:ext uri="{EFAFB233-063F-42B5-8137-9DF3F51BA10A}">
-      <p15:sldGuideLst xmlns:p15="http://schemas.microsoft.com/office/powerpoint/2012/main" xmlns="">
+      <p15:sldGuideLst xmlns:p15="http://schemas.microsoft.com/office/powerpoint/2012/main">
         <p15:guide id="1" orient="horz" pos="2160">
           <p15:clr>
             <a:srgbClr val="A4A3A4"/>
@@ -226,7 +226,7 @@
           <a:p>
             <a:fld id="{F8D9B3D7-15CB-9343-AA49-EFB5A8F33F18}" type="datetimeFigureOut">
               <a:rPr lang="en-US" smtClean="0"/>
-              <a:t>12/21/19</a:t>
+              <a:t>12/25/19</a:t>
             </a:fld>
             <a:endParaRPr lang="en-US"/>
           </a:p>
@@ -392,7 +392,7 @@
           <a:p>
             <a:fld id="{FD3EFF1E-85A1-6640-AFB9-C38833E80A84}" type="datetimeFigureOut">
               <a:rPr lang="en-US" smtClean="0"/>
-              <a:t>12/21/19</a:t>
+              <a:t>12/25/19</a:t>
             </a:fld>
             <a:endParaRPr lang="en-US"/>
           </a:p>
@@ -1123,9 +1123,9 @@
           <a:bodyPr/>
           <a:lstStyle/>
           <a:p>
-            <a:fld id="{F37D83BA-B3CF-5049-9E4D-B8916281C1A8}" type="datetime1">
+            <a:fld id="{86649D44-866A-244C-9DA8-D6FDD9D2F68C}" type="datetime1">
               <a:rPr lang="en-US" smtClean="0"/>
-              <a:t>12/21/19</a:t>
+              <a:t>12/25/19</a:t>
             </a:fld>
             <a:endParaRPr lang="en-US"/>
           </a:p>
@@ -1148,7 +1148,7 @@
           <a:p>
             <a:r>
               <a:rPr lang="en-US"/>
-              <a:t>Copyright © EV3Lessons.com 2016 (Last edit: 07/04/2016)</a:t>
+              <a:t>Copyright © EV3Lessons.com 2020 (Last edit: 12/24/2019)</a:t>
             </a:r>
           </a:p>
         </p:txBody>
@@ -1294,9 +1294,9 @@
           <a:bodyPr/>
           <a:lstStyle/>
           <a:p>
-            <a:fld id="{748C37E7-53C5-E24D-ADD6-C90628716793}" type="datetime1">
+            <a:fld id="{67BE09BA-32E1-0E4A-A967-38E7BBC4B714}" type="datetime1">
               <a:rPr lang="en-US" smtClean="0"/>
-              <a:t>12/21/19</a:t>
+              <a:t>12/25/19</a:t>
             </a:fld>
             <a:endParaRPr lang="en-US"/>
           </a:p>
@@ -1319,7 +1319,7 @@
           <a:p>
             <a:r>
               <a:rPr lang="en-US"/>
-              <a:t>Copyright © EV3Lessons.com 2016 (Last edit: 07/04/2016)</a:t>
+              <a:t>Copyright © EV3Lessons.com 2020 (Last edit: 12/24/2019)</a:t>
             </a:r>
           </a:p>
         </p:txBody>
@@ -1475,9 +1475,9 @@
           <a:bodyPr/>
           <a:lstStyle/>
           <a:p>
-            <a:fld id="{6C435912-7A37-1A46-A397-24482532ACB1}" type="datetime1">
+            <a:fld id="{66A3B420-946F-B141-9A48-D7901129D887}" type="datetime1">
               <a:rPr lang="en-US" smtClean="0"/>
-              <a:t>12/21/19</a:t>
+              <a:t>12/25/19</a:t>
             </a:fld>
             <a:endParaRPr lang="en-US"/>
           </a:p>
@@ -1500,7 +1500,7 @@
           <a:p>
             <a:r>
               <a:rPr lang="en-US"/>
-              <a:t>Copyright © EV3Lessons.com 2016 (Last edit: 07/04/2016)</a:t>
+              <a:t>Copyright © EV3Lessons.com 2020 (Last edit: 12/24/2019)</a:t>
             </a:r>
           </a:p>
         </p:txBody>
@@ -1691,9 +1691,9 @@
           <a:bodyPr/>
           <a:lstStyle/>
           <a:p>
-            <a:fld id="{A351FD2B-0941-FC4A-BBF1-A878F3F4DFB9}" type="datetime1">
+            <a:fld id="{0C883E41-762F-024E-A6CB-A54EB3F6C7C4}" type="datetime1">
               <a:rPr lang="en-US" smtClean="0"/>
-              <a:t>12/21/19</a:t>
+              <a:t>12/25/19</a:t>
             </a:fld>
             <a:endParaRPr lang="en-US"/>
           </a:p>
@@ -1721,7 +1721,7 @@
           <a:p>
             <a:r>
               <a:rPr lang="en-US"/>
-              <a:t>Copyright © EV3Lessons.com 2016 (Last edit: 07/04/2016)</a:t>
+              <a:t>Copyright © EV3Lessons.com 2020 (Last edit: 12/24/2019)</a:t>
             </a:r>
           </a:p>
         </p:txBody>
@@ -1879,47 +1879,6 @@
           </a:fontRef>
         </p:style>
       </p:sp>
-      <p:pic>
-        <p:nvPicPr>
-          <p:cNvPr id="10" name="Picture 2" descr="EV3Lessons.com"/>
-          <p:cNvPicPr>
-            <a:picLocks noChangeAspect="1" noChangeArrowheads="1"/>
-          </p:cNvPicPr>
-          <p:nvPr/>
-        </p:nvPicPr>
-        <p:blipFill>
-          <a:blip r:embed="rId2">
-            <a:extLst>
-              <a:ext uri="{28A0092B-C50C-407E-A947-70E740481C1C}">
-                <a14:useLocalDpi xmlns:a14="http://schemas.microsoft.com/office/drawing/2010/main" val="0"/>
-              </a:ext>
-            </a:extLst>
-          </a:blip>
-          <a:srcRect/>
-          <a:stretch>
-            <a:fillRect/>
-          </a:stretch>
-        </p:blipFill>
-        <p:spPr bwMode="auto">
-          <a:xfrm>
-            <a:off x="690896" y="400415"/>
-            <a:ext cx="7741243" cy="2875320"/>
-          </a:xfrm>
-          <a:prstGeom prst="rect">
-            <a:avLst/>
-          </a:prstGeom>
-          <a:noFill/>
-          <a:extLst>
-            <a:ext uri="{909E8E84-426E-40dd-AFC4-6F175D3DCCD1}">
-              <a14:hiddenFill xmlns:a14="http://schemas.microsoft.com/office/drawing/2010/main">
-                <a:solidFill>
-                  <a:srgbClr val="FFFFFF"/>
-                </a:solidFill>
-              </a14:hiddenFill>
-            </a:ext>
-          </a:extLst>
-        </p:spPr>
-      </p:pic>
       <p:sp>
         <p:nvSpPr>
           <p:cNvPr id="14" name="Title 1"/>
@@ -2232,9 +2191,9 @@
           <a:bodyPr/>
           <a:lstStyle/>
           <a:p>
-            <a:fld id="{D31C7733-8542-A14D-820A-9C7F5370C87F}" type="datetime1">
+            <a:fld id="{1616D011-3338-C649-AD30-A936668830C2}" type="datetime1">
               <a:rPr lang="en-US" smtClean="0"/>
-              <a:t>12/21/19</a:t>
+              <a:t>12/25/19</a:t>
             </a:fld>
             <a:endParaRPr lang="en-US"/>
           </a:p>
@@ -2257,7 +2216,7 @@
           <a:p>
             <a:r>
               <a:rPr lang="en-US"/>
-              <a:t>Copyright © EV3Lessons.com 2016 (Last edit: 07/04/2016)</a:t>
+              <a:t>Copyright © EV3Lessons.com 2020 (Last edit: 12/24/2019)</a:t>
             </a:r>
           </a:p>
         </p:txBody>
@@ -2497,9 +2456,9 @@
           <a:bodyPr/>
           <a:lstStyle/>
           <a:p>
-            <a:fld id="{F16724F9-AC20-2641-8F9A-BF7F52A51EDC}" type="datetime1">
+            <a:fld id="{4CE1DF3C-2443-2F4D-AC8E-F5BE9FD7ABD2}" type="datetime1">
               <a:rPr lang="en-US" smtClean="0"/>
-              <a:t>12/21/19</a:t>
+              <a:t>12/25/19</a:t>
             </a:fld>
             <a:endParaRPr lang="en-US"/>
           </a:p>
@@ -2553,7 +2512,7 @@
           <a:p>
             <a:r>
               <a:rPr lang="en-US"/>
-              <a:t>Copyright © EV3Lessons.com 2016 (Last edit: 07/04/2016)</a:t>
+              <a:t>Copyright © EV3Lessons.com 2020 (Last edit: 12/24/2019)</a:t>
             </a:r>
           </a:p>
         </p:txBody>
@@ -2800,9 +2759,9 @@
           <a:bodyPr/>
           <a:lstStyle/>
           <a:p>
-            <a:fld id="{526AF3C7-EA47-874D-BC42-3580C9373007}" type="datetime1">
+            <a:fld id="{C6029009-2C9D-584E-A247-81C0459FC895}" type="datetime1">
               <a:rPr lang="en-US" smtClean="0"/>
-              <a:t>12/21/19</a:t>
+              <a:t>12/25/19</a:t>
             </a:fld>
             <a:endParaRPr lang="en-US"/>
           </a:p>
@@ -2825,7 +2784,7 @@
           <a:p>
             <a:r>
               <a:rPr lang="en-US"/>
-              <a:t>Copyright © EV3Lessons.com 2016 (Last edit: 07/04/2016)</a:t>
+              <a:t>Copyright © EV3Lessons.com 2020 (Last edit: 12/24/2019)</a:t>
             </a:r>
           </a:p>
         </p:txBody>
@@ -3254,9 +3213,9 @@
           <a:bodyPr/>
           <a:lstStyle/>
           <a:p>
-            <a:fld id="{133EC8DD-CF8B-3E4F-9DDA-EE8D4E0FAE3B}" type="datetime1">
+            <a:fld id="{00D01928-D007-3740-B8AA-5C4B574EEDBC}" type="datetime1">
               <a:rPr lang="en-US" smtClean="0"/>
-              <a:t>12/21/19</a:t>
+              <a:t>12/25/19</a:t>
             </a:fld>
             <a:endParaRPr lang="en-US"/>
           </a:p>
@@ -3279,7 +3238,7 @@
           <a:p>
             <a:r>
               <a:rPr lang="en-US"/>
-              <a:t>Copyright © EV3Lessons.com 2016 (Last edit: 07/04/2016)</a:t>
+              <a:t>Copyright © EV3Lessons.com 2020 (Last edit: 12/24/2019)</a:t>
             </a:r>
           </a:p>
         </p:txBody>
@@ -3382,9 +3341,9 @@
           <a:bodyPr/>
           <a:lstStyle/>
           <a:p>
-            <a:fld id="{5F96A78E-25D2-6641-8078-53C6AC6BF8FA}" type="datetime1">
+            <a:fld id="{48342D2C-0140-FC4F-957F-BDEB5BEC17F0}" type="datetime1">
               <a:rPr lang="en-US" smtClean="0"/>
-              <a:t>12/21/19</a:t>
+              <a:t>12/25/19</a:t>
             </a:fld>
             <a:endParaRPr lang="en-US"/>
           </a:p>
@@ -3407,7 +3366,7 @@
           <a:p>
             <a:r>
               <a:rPr lang="en-US"/>
-              <a:t>Copyright © EV3Lessons.com 2016 (Last edit: 07/04/2016)</a:t>
+              <a:t>Copyright © EV3Lessons.com 2020 (Last edit: 12/24/2019)</a:t>
             </a:r>
           </a:p>
         </p:txBody>
@@ -3488,9 +3447,9 @@
           <a:bodyPr/>
           <a:lstStyle/>
           <a:p>
-            <a:fld id="{C339DA91-AD5F-B245-9932-1DD5C7DE4434}" type="datetime1">
+            <a:fld id="{6AF3EB31-565F-BF41-850F-46442EF297EA}" type="datetime1">
               <a:rPr lang="en-US" smtClean="0"/>
-              <a:t>12/21/19</a:t>
+              <a:t>12/25/19</a:t>
             </a:fld>
             <a:endParaRPr lang="en-US"/>
           </a:p>
@@ -3513,7 +3472,7 @@
           <a:p>
             <a:r>
               <a:rPr lang="en-US"/>
-              <a:t>Copyright © EV3Lessons.com 2016 (Last edit: 07/04/2016)</a:t>
+              <a:t>Copyright © EV3Lessons.com 2020 (Last edit: 12/24/2019)</a:t>
             </a:r>
           </a:p>
         </p:txBody>
@@ -3746,9 +3705,9 @@
           <a:bodyPr/>
           <a:lstStyle/>
           <a:p>
-            <a:fld id="{443B765B-820F-DA44-B8A4-98654B26395C}" type="datetime1">
+            <a:fld id="{06352217-F8CD-B046-981C-A70D3BE78F6A}" type="datetime1">
               <a:rPr lang="en-US" smtClean="0"/>
-              <a:t>12/21/19</a:t>
+              <a:t>12/25/19</a:t>
             </a:fld>
             <a:endParaRPr lang="en-US"/>
           </a:p>
@@ -3771,7 +3730,7 @@
           <a:p>
             <a:r>
               <a:rPr lang="en-US"/>
-              <a:t>Copyright © EV3Lessons.com 2016 (Last edit: 07/04/2016)</a:t>
+              <a:t>Copyright © EV3Lessons.com 2020 (Last edit: 12/24/2019)</a:t>
             </a:r>
           </a:p>
         </p:txBody>
@@ -3947,9 +3906,9 @@
           <a:bodyPr/>
           <a:lstStyle/>
           <a:p>
-            <a:fld id="{C90F9D43-A96A-0648-89EA-41B497708097}" type="datetime1">
+            <a:fld id="{D6F06A11-F367-5E48-B17B-211A5CD1E030}" type="datetime1">
               <a:rPr lang="en-US" smtClean="0"/>
-              <a:t>12/21/19</a:t>
+              <a:t>12/25/19</a:t>
             </a:fld>
             <a:endParaRPr lang="en-US"/>
           </a:p>
@@ -3972,7 +3931,7 @@
           <a:p>
             <a:r>
               <a:rPr lang="en-US"/>
-              <a:t>Copyright © EV3Lessons.com 2016 (Last edit: 07/04/2016)</a:t>
+              <a:t>Copyright © EV3Lessons.com 2020 (Last edit: 12/24/2019)</a:t>
             </a:r>
           </a:p>
         </p:txBody>
@@ -4225,9 +4184,9 @@
           <a:bodyPr/>
           <a:lstStyle/>
           <a:p>
-            <a:fld id="{EA8A07FB-0BC7-B944-A142-37461F81A533}" type="datetime1">
+            <a:fld id="{7D281A9B-E594-AE4D-969F-77B2F4FFBE4A}" type="datetime1">
               <a:rPr lang="en-US" smtClean="0"/>
-              <a:t>12/21/19</a:t>
+              <a:t>12/25/19</a:t>
             </a:fld>
             <a:endParaRPr lang="en-US"/>
           </a:p>
@@ -4250,7 +4209,7 @@
           <a:p>
             <a:r>
               <a:rPr lang="en-US"/>
-              <a:t>Copyright © EV3Lessons.com 2016 (Last edit: 07/04/2016)</a:t>
+              <a:t>Copyright © EV3Lessons.com 2020 (Last edit: 12/24/2019)</a:t>
             </a:r>
           </a:p>
         </p:txBody>
@@ -4492,9 +4451,9 @@
           <a:bodyPr/>
           <a:lstStyle/>
           <a:p>
-            <a:fld id="{925E7BE2-A6D9-C842-86AA-996A419926E0}" type="datetime1">
+            <a:fld id="{4AB73D71-7754-CA48-8913-051F94AF9946}" type="datetime1">
               <a:rPr lang="en-US" smtClean="0"/>
-              <a:t>12/21/19</a:t>
+              <a:t>12/25/19</a:t>
             </a:fld>
             <a:endParaRPr lang="en-US"/>
           </a:p>
@@ -4517,7 +4476,7 @@
           <a:p>
             <a:r>
               <a:rPr lang="en-US"/>
-              <a:t>Copyright © EV3Lessons.com 2016 (Last edit: 07/04/2016)</a:t>
+              <a:t>Copyright © EV3Lessons.com 2020 (Last edit: 12/24/2019)</a:t>
             </a:r>
           </a:p>
         </p:txBody>
@@ -4681,9 +4640,9 @@
           <a:bodyPr/>
           <a:lstStyle/>
           <a:p>
-            <a:fld id="{79F46963-DD7F-6847-A89D-EF272705C54A}" type="datetime1">
+            <a:fld id="{D5DB3DDE-8040-2B4C-984B-861A81AE952C}" type="datetime1">
               <a:rPr lang="en-US" smtClean="0"/>
-              <a:t>12/21/19</a:t>
+              <a:t>12/25/19</a:t>
             </a:fld>
             <a:endParaRPr lang="en-US"/>
           </a:p>
@@ -4706,7 +4665,7 @@
           <a:p>
             <a:r>
               <a:rPr lang="en-US"/>
-              <a:t>Copyright © EV3Lessons.com 2016 (Last edit: 07/04/2016)</a:t>
+              <a:t>Copyright © EV3Lessons.com 2020 (Last edit: 12/24/2019)</a:t>
             </a:r>
           </a:p>
         </p:txBody>
@@ -4882,9 +4841,9 @@
           <a:bodyPr/>
           <a:lstStyle/>
           <a:p>
-            <a:fld id="{8AC0D8E3-831A-6242-9FE6-F418D9091803}" type="datetime1">
+            <a:fld id="{0B0FBAF2-29D5-1B44-AB4F-FCC3D928A707}" type="datetime1">
               <a:rPr lang="en-US" smtClean="0"/>
-              <a:t>12/21/19</a:t>
+              <a:t>12/25/19</a:t>
             </a:fld>
             <a:endParaRPr lang="en-US"/>
           </a:p>
@@ -4907,7 +4866,7 @@
           <a:p>
             <a:r>
               <a:rPr lang="en-US"/>
-              <a:t>Copyright © EV3Lessons.com 2016 (Last edit: 07/04/2016)</a:t>
+              <a:t>Copyright © EV3Lessons.com 2020 (Last edit: 12/24/2019)</a:t>
             </a:r>
           </a:p>
         </p:txBody>
@@ -5053,9 +5012,9 @@
           <a:bodyPr/>
           <a:lstStyle/>
           <a:p>
-            <a:fld id="{AB7E4CCA-9154-074E-A424-1BD460D778FF}" type="datetime1">
+            <a:fld id="{ACE120CB-1F12-0A4D-9864-BBDF9517C153}" type="datetime1">
               <a:rPr lang="en-US" smtClean="0"/>
-              <a:t>12/21/19</a:t>
+              <a:t>12/25/19</a:t>
             </a:fld>
             <a:endParaRPr lang="en-US"/>
           </a:p>
@@ -5078,7 +5037,7 @@
           <a:p>
             <a:r>
               <a:rPr lang="en-US"/>
-              <a:t>Copyright © EV3Lessons.com 2016 (Last edit: 07/04/2016)</a:t>
+              <a:t>Copyright © EV3Lessons.com 2020 (Last edit: 12/24/2019)</a:t>
             </a:r>
           </a:p>
         </p:txBody>
@@ -5301,9 +5260,9 @@
           <a:bodyPr/>
           <a:lstStyle/>
           <a:p>
-            <a:fld id="{75FDE594-2023-C941-96BE-3F272ED009B8}" type="datetime1">
+            <a:fld id="{AA658D0F-57F7-944A-987A-DE64DA3C5E65}" type="datetime1">
               <a:rPr lang="en-US" smtClean="0"/>
-              <a:t>12/21/19</a:t>
+              <a:t>12/25/19</a:t>
             </a:fld>
             <a:endParaRPr lang="en-US"/>
           </a:p>
@@ -5326,7 +5285,7 @@
           <a:p>
             <a:r>
               <a:rPr lang="en-US"/>
-              <a:t>Copyright © EV3Lessons.com 2016 (Last edit: 07/04/2016)</a:t>
+              <a:t>Copyright © EV3Lessons.com 2020 (Last edit: 12/24/2019)</a:t>
             </a:r>
           </a:p>
         </p:txBody>
@@ -5533,9 +5492,9 @@
           <a:bodyPr/>
           <a:lstStyle/>
           <a:p>
-            <a:fld id="{A5CFB09D-1AD6-C742-936F-EADDC9B7A12C}" type="datetime1">
+            <a:fld id="{F8AB2AF2-F020-AD42-AB4C-2DB48364CDBE}" type="datetime1">
               <a:rPr lang="en-US" smtClean="0"/>
-              <a:t>12/21/19</a:t>
+              <a:t>12/25/19</a:t>
             </a:fld>
             <a:endParaRPr lang="en-US"/>
           </a:p>
@@ -5558,7 +5517,7 @@
           <a:p>
             <a:r>
               <a:rPr lang="en-US"/>
-              <a:t>Copyright © EV3Lessons.com 2016 (Last edit: 07/04/2016)</a:t>
+              <a:t>Copyright © EV3Lessons.com 2020 (Last edit: 12/24/2019)</a:t>
             </a:r>
           </a:p>
         </p:txBody>
@@ -5900,9 +5859,9 @@
           <a:bodyPr/>
           <a:lstStyle/>
           <a:p>
-            <a:fld id="{B820A7EA-4976-3446-8917-BAFBD7645CB0}" type="datetime1">
+            <a:fld id="{35B6ED96-D670-AA41-B991-49B6939217AA}" type="datetime1">
               <a:rPr lang="en-US" smtClean="0"/>
-              <a:t>12/21/19</a:t>
+              <a:t>12/25/19</a:t>
             </a:fld>
             <a:endParaRPr lang="en-US"/>
           </a:p>
@@ -5925,7 +5884,7 @@
           <a:p>
             <a:r>
               <a:rPr lang="en-US"/>
-              <a:t>Copyright © EV3Lessons.com 2016 (Last edit: 07/04/2016)</a:t>
+              <a:t>Copyright © EV3Lessons.com 2020 (Last edit: 12/24/2019)</a:t>
             </a:r>
           </a:p>
         </p:txBody>
@@ -6020,9 +5979,9 @@
           <a:bodyPr/>
           <a:lstStyle/>
           <a:p>
-            <a:fld id="{99911295-1152-6040-9D94-F74B16BF599E}" type="datetime1">
+            <a:fld id="{B63E718C-A305-D34B-85A6-F15781E93B8E}" type="datetime1">
               <a:rPr lang="en-US" smtClean="0"/>
-              <a:t>12/21/19</a:t>
+              <a:t>12/25/19</a:t>
             </a:fld>
             <a:endParaRPr lang="en-US"/>
           </a:p>
@@ -6045,7 +6004,7 @@
           <a:p>
             <a:r>
               <a:rPr lang="en-US"/>
-              <a:t>Copyright © EV3Lessons.com 2016 (Last edit: 07/04/2016)</a:t>
+              <a:t>Copyright © EV3Lessons.com 2020 (Last edit: 12/24/2019)</a:t>
             </a:r>
           </a:p>
         </p:txBody>
@@ -6118,9 +6077,9 @@
           <a:bodyPr/>
           <a:lstStyle/>
           <a:p>
-            <a:fld id="{14D6EBAF-E9AB-D240-ADB3-3EB7FA8C05BF}" type="datetime1">
+            <a:fld id="{0434DCB7-5493-7F44-8F55-2260EFC2ADFE}" type="datetime1">
               <a:rPr lang="en-US" smtClean="0"/>
-              <a:t>12/21/19</a:t>
+              <a:t>12/25/19</a:t>
             </a:fld>
             <a:endParaRPr lang="en-US"/>
           </a:p>
@@ -6143,7 +6102,7 @@
           <a:p>
             <a:r>
               <a:rPr lang="en-US"/>
-              <a:t>Copyright © EV3Lessons.com 2016 (Last edit: 07/04/2016)</a:t>
+              <a:t>Copyright © EV3Lessons.com 2020 (Last edit: 12/24/2019)</a:t>
             </a:r>
           </a:p>
         </p:txBody>
@@ -6366,9 +6325,9 @@
           <a:bodyPr/>
           <a:lstStyle/>
           <a:p>
-            <a:fld id="{105BD167-6426-EE46-BF31-958529310DF4}" type="datetime1">
+            <a:fld id="{BC0512B7-C339-9746-B919-206BD3F57751}" type="datetime1">
               <a:rPr lang="en-US" smtClean="0"/>
-              <a:t>12/21/19</a:t>
+              <a:t>12/25/19</a:t>
             </a:fld>
             <a:endParaRPr lang="en-US"/>
           </a:p>
@@ -6391,7 +6350,7 @@
           <a:p>
             <a:r>
               <a:rPr lang="en-US"/>
-              <a:t>Copyright © EV3Lessons.com 2016 (Last edit: 07/04/2016)</a:t>
+              <a:t>Copyright © EV3Lessons.com 2020 (Last edit: 12/24/2019)</a:t>
             </a:r>
           </a:p>
         </p:txBody>
@@ -6644,9 +6603,9 @@
           <a:bodyPr/>
           <a:lstStyle/>
           <a:p>
-            <a:fld id="{6E602E7E-DA70-AA42-A293-DDCF3208C2DA}" type="datetime1">
+            <a:fld id="{A31A4949-C114-DB4E-9BB0-28E3D376C310}" type="datetime1">
               <a:rPr lang="en-US" smtClean="0"/>
-              <a:t>12/21/19</a:t>
+              <a:t>12/25/19</a:t>
             </a:fld>
             <a:endParaRPr lang="en-US"/>
           </a:p>
@@ -6669,7 +6628,7 @@
           <a:p>
             <a:r>
               <a:rPr lang="en-US"/>
-              <a:t>Copyright © EV3Lessons.com 2016 (Last edit: 07/04/2016)</a:t>
+              <a:t>Copyright © EV3Lessons.com 2020 (Last edit: 12/24/2019)</a:t>
             </a:r>
           </a:p>
         </p:txBody>
@@ -6902,9 +6861,9 @@
           <a:bodyPr/>
           <a:lstStyle/>
           <a:p>
-            <a:fld id="{DE0A853C-9D55-0D45-A8D0-410EA045567C}" type="datetime1">
+            <a:fld id="{F51641AB-1522-E546-9467-3545C484D0D0}" type="datetime1">
               <a:rPr lang="en-US" smtClean="0"/>
-              <a:t>12/21/19</a:t>
+              <a:t>12/25/19</a:t>
             </a:fld>
             <a:endParaRPr lang="en-US"/>
           </a:p>
@@ -6927,7 +6886,7 @@
           <a:p>
             <a:r>
               <a:rPr lang="en-US"/>
-              <a:t>Copyright © EV3Lessons.com 2016 (Last edit: 07/04/2016)</a:t>
+              <a:t>Copyright © EV3Lessons.com 2020 (Last edit: 12/24/2019)</a:t>
             </a:r>
           </a:p>
         </p:txBody>
@@ -7073,9 +7032,9 @@
           <a:bodyPr/>
           <a:lstStyle/>
           <a:p>
-            <a:fld id="{75FC7143-59EA-1042-A181-1EA9D05B4C01}" type="datetime1">
+            <a:fld id="{1BCA3604-DC92-224D-B7F4-EC962F066C66}" type="datetime1">
               <a:rPr lang="en-US" smtClean="0"/>
-              <a:t>12/21/19</a:t>
+              <a:t>12/25/19</a:t>
             </a:fld>
             <a:endParaRPr lang="en-US"/>
           </a:p>
@@ -7098,7 +7057,7 @@
           <a:p>
             <a:r>
               <a:rPr lang="en-US"/>
-              <a:t>Copyright © EV3Lessons.com 2016 (Last edit: 07/04/2016)</a:t>
+              <a:t>Copyright © EV3Lessons.com 2020 (Last edit: 12/24/2019)</a:t>
             </a:r>
           </a:p>
         </p:txBody>
@@ -7254,9 +7213,9 @@
           <a:bodyPr/>
           <a:lstStyle/>
           <a:p>
-            <a:fld id="{3D8FFAE9-770D-534A-A6B2-C02DE62B92F5}" type="datetime1">
+            <a:fld id="{CA4C2BA8-2318-BF4E-8165-7AA72FDC9309}" type="datetime1">
               <a:rPr lang="en-US" smtClean="0"/>
-              <a:t>12/21/19</a:t>
+              <a:t>12/25/19</a:t>
             </a:fld>
             <a:endParaRPr lang="en-US"/>
           </a:p>
@@ -7279,7 +7238,7 @@
           <a:p>
             <a:r>
               <a:rPr lang="en-US"/>
-              <a:t>Copyright © EV3Lessons.com 2016 (Last edit: 07/04/2016)</a:t>
+              <a:t>Copyright © EV3Lessons.com 2020 (Last edit: 12/24/2019)</a:t>
             </a:r>
           </a:p>
         </p:txBody>
@@ -7486,9 +7445,9 @@
           <a:bodyPr/>
           <a:lstStyle/>
           <a:p>
-            <a:fld id="{EF8B1A54-67EA-FE4F-B007-99F48F8D362E}" type="datetime1">
+            <a:fld id="{ED1E4DA7-32BD-114A-9576-ABF77B1D28C1}" type="datetime1">
               <a:rPr lang="en-US" smtClean="0"/>
-              <a:t>12/21/19</a:t>
+              <a:t>12/25/19</a:t>
             </a:fld>
             <a:endParaRPr lang="en-US"/>
           </a:p>
@@ -7511,7 +7470,7 @@
           <a:p>
             <a:r>
               <a:rPr lang="en-US"/>
-              <a:t>Copyright © EV3Lessons.com 2016 (Last edit: 07/04/2016)</a:t>
+              <a:t>Copyright © EV3Lessons.com 2020 (Last edit: 12/24/2019)</a:t>
             </a:r>
           </a:p>
         </p:txBody>
@@ -7853,9 +7812,9 @@
           <a:bodyPr/>
           <a:lstStyle/>
           <a:p>
-            <a:fld id="{243602A5-4004-D546-9C23-137714CCE981}" type="datetime1">
+            <a:fld id="{67D1E2F2-1240-6C40-B60F-32CEC85E5405}" type="datetime1">
               <a:rPr lang="en-US" smtClean="0"/>
-              <a:t>12/21/19</a:t>
+              <a:t>12/25/19</a:t>
             </a:fld>
             <a:endParaRPr lang="en-US"/>
           </a:p>
@@ -7878,7 +7837,7 @@
           <a:p>
             <a:r>
               <a:rPr lang="en-US"/>
-              <a:t>Copyright © EV3Lessons.com 2016 (Last edit: 07/04/2016)</a:t>
+              <a:t>Copyright © EV3Lessons.com 2020 (Last edit: 12/24/2019)</a:t>
             </a:r>
           </a:p>
         </p:txBody>
@@ -7973,9 +7932,9 @@
           <a:bodyPr/>
           <a:lstStyle/>
           <a:p>
-            <a:fld id="{0F7ADEC7-1F51-7E4E-9987-E0817D3169D8}" type="datetime1">
+            <a:fld id="{17223767-CDBC-ED4D-872C-AAC471597342}" type="datetime1">
               <a:rPr lang="en-US" smtClean="0"/>
-              <a:t>12/21/19</a:t>
+              <a:t>12/25/19</a:t>
             </a:fld>
             <a:endParaRPr lang="en-US"/>
           </a:p>
@@ -7998,7 +7957,7 @@
           <a:p>
             <a:r>
               <a:rPr lang="en-US"/>
-              <a:t>Copyright © EV3Lessons.com 2016 (Last edit: 07/04/2016)</a:t>
+              <a:t>Copyright © EV3Lessons.com 2020 (Last edit: 12/24/2019)</a:t>
             </a:r>
           </a:p>
         </p:txBody>
@@ -8071,9 +8030,9 @@
           <a:bodyPr/>
           <a:lstStyle/>
           <a:p>
-            <a:fld id="{62BED1DD-FC53-A64D-A61A-1BBDA4C1F052}" type="datetime1">
+            <a:fld id="{50E1DCF8-03C7-9D4D-AA3A-D9BB866A1F7B}" type="datetime1">
               <a:rPr lang="en-US" smtClean="0"/>
-              <a:t>12/21/19</a:t>
+              <a:t>12/25/19</a:t>
             </a:fld>
             <a:endParaRPr lang="en-US"/>
           </a:p>
@@ -8096,7 +8055,7 @@
           <a:p>
             <a:r>
               <a:rPr lang="en-US"/>
-              <a:t>Copyright © EV3Lessons.com 2016 (Last edit: 07/04/2016)</a:t>
+              <a:t>Copyright © EV3Lessons.com 2020 (Last edit: 12/24/2019)</a:t>
             </a:r>
           </a:p>
         </p:txBody>
@@ -8349,9 +8308,9 @@
           <a:bodyPr/>
           <a:lstStyle/>
           <a:p>
-            <a:fld id="{D3232E57-03BC-8D49-9B41-185CAF91D2AA}" type="datetime1">
+            <a:fld id="{FD44848F-90DF-B14C-8258-7C7B37F5FFB1}" type="datetime1">
               <a:rPr lang="en-US" smtClean="0"/>
-              <a:t>12/21/19</a:t>
+              <a:t>12/25/19</a:t>
             </a:fld>
             <a:endParaRPr lang="en-US"/>
           </a:p>
@@ -8374,7 +8333,7 @@
           <a:p>
             <a:r>
               <a:rPr lang="en-US"/>
-              <a:t>Copyright © EV3Lessons.com 2016 (Last edit: 07/04/2016)</a:t>
+              <a:t>Copyright © EV3Lessons.com 2020 (Last edit: 12/24/2019)</a:t>
             </a:r>
           </a:p>
         </p:txBody>
@@ -8604,9 +8563,9 @@
           <a:bodyPr/>
           <a:lstStyle/>
           <a:p>
-            <a:fld id="{84CF46B4-E64B-614A-9E66-67E01DB1DC3C}" type="datetime1">
+            <a:fld id="{760EB5E7-054E-864D-AD8E-5DCC0CF4A33F}" type="datetime1">
               <a:rPr lang="en-US" smtClean="0"/>
-              <a:t>12/21/19</a:t>
+              <a:t>12/25/19</a:t>
             </a:fld>
             <a:endParaRPr lang="en-US"/>
           </a:p>
@@ -8629,7 +8588,7 @@
           <a:p>
             <a:r>
               <a:rPr lang="en-US"/>
-              <a:t>Copyright © EV3Lessons.com 2016 (Last edit: 07/04/2016)</a:t>
+              <a:t>Copyright © EV3Lessons.com 2020 (Last edit: 12/24/2019)</a:t>
             </a:r>
           </a:p>
         </p:txBody>
@@ -8818,9 +8777,9 @@
             </a:lvl1pPr>
           </a:lstStyle>
           <a:p>
-            <a:fld id="{32F6111D-B5B6-AA4A-BF01-97DDB5086053}" type="datetime1">
+            <a:fld id="{7CA03504-0CFC-844C-92F5-B7343F6BCF3C}" type="datetime1">
               <a:rPr lang="en-US" smtClean="0"/>
-              <a:t>12/21/19</a:t>
+              <a:t>12/25/19</a:t>
             </a:fld>
             <a:endParaRPr lang="en-US"/>
           </a:p>
@@ -8861,7 +8820,7 @@
           <a:p>
             <a:r>
               <a:rPr lang="en-US"/>
-              <a:t>Copyright © EV3Lessons.com 2016 (Last edit: 07/04/2016)</a:t>
+              <a:t>Copyright © EV3Lessons.com 2020 (Last edit: 12/24/2019)</a:t>
             </a:r>
           </a:p>
         </p:txBody>
@@ -8928,7 +8887,7 @@
     <p:sldLayoutId id="2147483736" r:id="rId10"/>
     <p:sldLayoutId id="2147483737" r:id="rId11"/>
   </p:sldLayoutIdLst>
-  <p:hf hdr="0" dt="0"/>
+  <p:hf sldNum="0" hdr="0" dt="0"/>
   <p:txStyles>
     <p:titleStyle>
       <a:lvl1pPr algn="l" defTabSz="914400" rtl="0" eaLnBrk="1" latinLnBrk="0" hangingPunct="1">
@@ -9360,9 +9319,9 @@
             </a:lvl1pPr>
           </a:lstStyle>
           <a:p>
-            <a:fld id="{B29611CE-5D41-DA45-AF39-6B554CA772B2}" type="datetime1">
+            <a:fld id="{648EDB5E-21ED-AF43-B6D7-F214D15BD1D5}" type="datetime1">
               <a:rPr lang="en-US" smtClean="0"/>
-              <a:t>12/21/19</a:t>
+              <a:t>12/25/19</a:t>
             </a:fld>
             <a:endParaRPr lang="en-US"/>
           </a:p>
@@ -9401,7 +9360,7 @@
           <a:p>
             <a:r>
               <a:rPr lang="en-US"/>
-              <a:t>Copyright © EV3Lessons.com 2016 (Last edit: 07/04/2016)</a:t>
+              <a:t>Copyright © EV3Lessons.com 2020 (Last edit: 12/24/2019)</a:t>
             </a:r>
             <a:endParaRPr lang="en-US" dirty="0"/>
           </a:p>
@@ -9687,7 +9646,7 @@
     <p:sldLayoutId id="2147483748" r:id="rId10"/>
     <p:sldLayoutId id="2147483749" r:id="rId11"/>
   </p:sldLayoutIdLst>
-  <p:hf hdr="0" dt="0"/>
+  <p:hf sldNum="0" hdr="0" dt="0"/>
   <p:txStyles>
     <p:titleStyle>
       <a:lvl1pPr algn="l" defTabSz="914400" rtl="0" eaLnBrk="1" latinLnBrk="0" hangingPunct="1">
@@ -10116,9 +10075,9 @@
             </a:lvl1pPr>
           </a:lstStyle>
           <a:p>
-            <a:fld id="{28C8DDE0-17C7-9D48-B637-E64A0419237D}" type="datetime1">
+            <a:fld id="{F4E6C99B-A1A1-6047-8A18-8FC2939EF308}" type="datetime1">
               <a:rPr lang="en-US" smtClean="0"/>
-              <a:t>12/21/19</a:t>
+              <a:t>12/25/19</a:t>
             </a:fld>
             <a:endParaRPr lang="en-US"/>
           </a:p>
@@ -10159,7 +10118,7 @@
           <a:p>
             <a:r>
               <a:rPr lang="en-US"/>
-              <a:t>Copyright © EV3Lessons.com 2016 (Last edit: 07/04/2016)</a:t>
+              <a:t>Copyright © EV3Lessons.com 2020 (Last edit: 12/24/2019)</a:t>
             </a:r>
           </a:p>
         </p:txBody>
@@ -10226,7 +10185,7 @@
     <p:sldLayoutId id="2147483760" r:id="rId10"/>
     <p:sldLayoutId id="2147483761" r:id="rId11"/>
   </p:sldLayoutIdLst>
-  <p:hf hdr="0" dt="0"/>
+  <p:hf sldNum="0" hdr="0" dt="0"/>
   <p:txStyles>
     <p:titleStyle>
       <a:lvl1pPr algn="l" defTabSz="914400" rtl="0" eaLnBrk="1" latinLnBrk="0" hangingPunct="1">
@@ -10537,13 +10496,26 @@
             <p:ph type="subTitle" idx="1"/>
           </p:nvPr>
         </p:nvSpPr>
-        <p:spPr/>
-        <p:txBody>
-          <a:bodyPr/>
-          <a:lstStyle/>
-          <a:p>
-            <a:r>
-              <a:rPr lang="en-US" dirty="0"/>
+        <p:spPr>
+          <a:xfrm>
+            <a:off x="1143000" y="3229797"/>
+            <a:ext cx="6858000" cy="914400"/>
+          </a:xfrm>
+        </p:spPr>
+        <p:txBody>
+          <a:bodyPr>
+            <a:normAutofit lnSpcReduction="10000"/>
+          </a:bodyPr>
+          <a:lstStyle/>
+          <a:p>
+            <a:r>
+              <a:rPr lang="en-US" sz="2400" dirty="0"/>
+              <a:t>EV3 Classroom: </a:t>
+            </a:r>
+          </a:p>
+          <a:p>
+            <a:r>
+              <a:rPr lang="en-US" sz="2400" dirty="0"/>
               <a:t>Displaying Text and Graphics</a:t>
             </a:r>
           </a:p>
@@ -10551,50 +10523,115 @@
       </p:sp>
       <p:sp>
         <p:nvSpPr>
-          <p:cNvPr id="3" name="Title 2"/>
-          <p:cNvSpPr>
-            <a:spLocks noGrp="1"/>
-          </p:cNvSpPr>
-          <p:nvPr>
-            <p:ph type="ctrTitle"/>
-          </p:nvPr>
-        </p:nvSpPr>
-        <p:spPr/>
-        <p:txBody>
-          <a:bodyPr/>
-          <a:lstStyle/>
-          <a:p>
-            <a:pPr algn="ctr"/>
-            <a:r>
-              <a:rPr lang="en-US" dirty="0"/>
+          <p:cNvPr id="7" name="Title 1">
+            <a:extLst>
+              <a:ext uri="{FF2B5EF4-FFF2-40B4-BE49-F238E27FC236}">
+                <a16:creationId xmlns:a16="http://schemas.microsoft.com/office/drawing/2014/main" id="{492ADFFC-E4BF-6F44-8038-B169D3C55DAA}"/>
+              </a:ext>
+            </a:extLst>
+          </p:cNvPr>
+          <p:cNvSpPr txBox="1">
+            <a:spLocks/>
+          </p:cNvSpPr>
+          <p:nvPr/>
+        </p:nvSpPr>
+        <p:spPr>
+          <a:xfrm>
+            <a:off x="4868091" y="272833"/>
+            <a:ext cx="3897684" cy="1598052"/>
+          </a:xfrm>
+          <a:prstGeom prst="rect">
+            <a:avLst/>
+          </a:prstGeom>
+        </p:spPr>
+        <p:txBody>
+          <a:bodyPr vert="horz" lIns="91440" tIns="45720" rIns="91440" bIns="45720" rtlCol="0" anchor="t" anchorCtr="0">
+            <a:noAutofit/>
+          </a:bodyPr>
+          <a:lstStyle>
+            <a:lvl1pPr algn="l" defTabSz="914400" rtl="0" eaLnBrk="1" latinLnBrk="0" hangingPunct="1">
+              <a:spcBef>
+                <a:spcPct val="0"/>
+              </a:spcBef>
+              <a:buNone/>
+              <a:defRPr sz="2800" kern="1200" cap="all" spc="-60" baseline="0">
+                <a:solidFill>
+                  <a:schemeClr val="tx2"/>
+                </a:solidFill>
+                <a:latin typeface="+mj-lt"/>
+                <a:ea typeface="+mj-ea"/>
+                <a:cs typeface="+mj-cs"/>
+              </a:defRPr>
+            </a:lvl1pPr>
+          </a:lstStyle>
+          <a:p>
+            <a:r>
+              <a:rPr lang="en-US" sz="3200"/>
               <a:t>BEGINNER PROGRAMMING LESSON</a:t>
             </a:r>
+            <a:endParaRPr lang="en-US" sz="3200" dirty="0"/>
           </a:p>
         </p:txBody>
       </p:sp>
       <p:pic>
         <p:nvPicPr>
-          <p:cNvPr id="4" name="Picture 3"/>
+          <p:cNvPr id="8" name="Picture 7" descr="A picture containing drawing&#10;&#10;Description automatically generated">
+            <a:extLst>
+              <a:ext uri="{FF2B5EF4-FFF2-40B4-BE49-F238E27FC236}">
+                <a16:creationId xmlns:a16="http://schemas.microsoft.com/office/drawing/2014/main" id="{EC46CE1C-19AA-BF44-9191-EA5289FDDBA1}"/>
+              </a:ext>
+            </a:extLst>
+          </p:cNvPr>
           <p:cNvPicPr>
             <a:picLocks noChangeAspect="1"/>
           </p:cNvPicPr>
           <p:nvPr/>
         </p:nvPicPr>
         <p:blipFill rotWithShape="1">
-          <a:blip r:embed="rId3">
+          <a:blip r:embed="rId3"/>
+          <a:srcRect l="1617" t="7031" r="4033" b="8124"/>
+          <a:stretch/>
+        </p:blipFill>
+        <p:spPr>
+          <a:xfrm>
+            <a:off x="129863" y="209018"/>
+            <a:ext cx="4442137" cy="1673443"/>
+          </a:xfrm>
+          <a:prstGeom prst="rect">
+            <a:avLst/>
+          </a:prstGeom>
+        </p:spPr>
+      </p:pic>
+      <p:pic>
+        <p:nvPicPr>
+          <p:cNvPr id="9" name="Picture 8" descr="A close up of a sign&#10;&#10;Description automatically generated">
+            <a:extLst>
+              <a:ext uri="{FF2B5EF4-FFF2-40B4-BE49-F238E27FC236}">
+                <a16:creationId xmlns:a16="http://schemas.microsoft.com/office/drawing/2014/main" id="{F6FDFC1F-38EE-5F4B-A7AD-61E3BFCB8CBB}"/>
+              </a:ext>
+            </a:extLst>
+          </p:cNvPr>
+          <p:cNvPicPr>
+            <a:picLocks noChangeAspect="1"/>
+          </p:cNvPicPr>
+          <p:nvPr/>
+        </p:nvPicPr>
+        <p:blipFill>
+          <a:blip r:embed="rId4">
             <a:extLst>
               <a:ext uri="{28A0092B-C50C-407E-A947-70E740481C1C}">
                 <a14:useLocalDpi xmlns:a14="http://schemas.microsoft.com/office/drawing/2010/main" val="0"/>
               </a:ext>
             </a:extLst>
           </a:blip>
-          <a:srcRect l="4523" t="17619" r="3095" b="25000"/>
-          <a:stretch/>
+          <a:stretch>
+            <a:fillRect/>
+          </a:stretch>
         </p:blipFill>
         <p:spPr>
           <a:xfrm>
-            <a:off x="3711108" y="4592409"/>
-            <a:ext cx="1700816" cy="1056435"/>
+            <a:off x="3730120" y="4883748"/>
+            <a:ext cx="1444298" cy="1444298"/>
           </a:xfrm>
           <a:prstGeom prst="rect">
             <a:avLst/>
@@ -10648,13 +10685,8 @@
           <a:p>
             <a:r>
               <a:rPr lang="en-US" altLang="en-US" dirty="0"/>
-              <a:t>Displaying an </a:t>
-            </a:r>
-            <a:r>
-              <a:rPr lang="en-US" altLang="en-US" dirty="0" smtClean="0"/>
-              <a:t>image</a:t>
-            </a:r>
-            <a:endParaRPr lang="en-US" altLang="en-US" dirty="0"/>
+              <a:t>Displaying an image</a:t>
+            </a:r>
           </a:p>
         </p:txBody>
       </p:sp>
@@ -10688,13 +10720,8 @@
           <a:p>
             <a:r>
               <a:rPr lang="en-US" dirty="0"/>
-              <a:t>Pick Display </a:t>
-            </a:r>
-            <a:r>
-              <a:rPr lang="en-US" dirty="0" smtClean="0"/>
-              <a:t>Image Block</a:t>
-            </a:r>
-            <a:endParaRPr lang="en-US" dirty="0"/>
+              <a:t>Pick Display Image Block</a:t>
+            </a:r>
           </a:p>
           <a:p>
             <a:endParaRPr lang="en-US" dirty="0"/>
@@ -10710,49 +10737,32 @@
           </a:p>
           <a:p>
             <a:r>
-              <a:rPr lang="en-US" dirty="0" smtClean="0"/>
-              <a:t>Use </a:t>
-            </a:r>
-            <a:r>
               <a:rPr lang="en-US" dirty="0"/>
-              <a:t>the </a:t>
-            </a:r>
-            <a:r>
-              <a:rPr lang="en-US" dirty="0" smtClean="0"/>
-              <a:t>entry box to </a:t>
-            </a:r>
+              <a:t>Use the entry box to pick the image you want to display</a:t>
+            </a:r>
+          </a:p>
+          <a:p>
+            <a:endParaRPr lang="en-US" dirty="0"/>
+          </a:p>
+          <a:p>
             <a:r>
               <a:rPr lang="en-US" dirty="0"/>
-              <a:t>pick the image you want to </a:t>
-            </a:r>
-            <a:r>
-              <a:rPr lang="en-US" dirty="0" smtClean="0"/>
-              <a:t>display</a:t>
+              <a:t>The Display Image for Seconds block will display the image for the requested seconds before moving to the next block.</a:t>
             </a:r>
           </a:p>
           <a:p>
             <a:endParaRPr lang="en-US" dirty="0"/>
           </a:p>
-          <a:p>
-            <a:r>
-              <a:rPr lang="en-US" dirty="0" smtClean="0"/>
-              <a:t>The Display Image for Seconds block will display the image for the requested seconds before moving to the next block.</a:t>
-            </a:r>
-            <a:endParaRPr lang="en-US" dirty="0"/>
-          </a:p>
-          <a:p>
-            <a:endParaRPr lang="en-US" dirty="0"/>
-          </a:p>
-        </p:txBody>
-      </p:sp>
-      <p:sp>
-        <p:nvSpPr>
-          <p:cNvPr id="10" name="Slide Number Placeholder 9"/>
-          <p:cNvSpPr>
-            <a:spLocks noGrp="1"/>
-          </p:cNvSpPr>
-          <p:nvPr>
-            <p:ph type="sldNum" sz="quarter" idx="12"/>
+        </p:txBody>
+      </p:sp>
+      <p:sp>
+        <p:nvSpPr>
+          <p:cNvPr id="11" name="Footer Placeholder 10"/>
+          <p:cNvSpPr>
+            <a:spLocks noGrp="1"/>
+          </p:cNvSpPr>
+          <p:nvPr>
+            <p:ph type="ftr" sz="quarter" idx="11"/>
           </p:nvPr>
         </p:nvSpPr>
         <p:spPr/>
@@ -10760,32 +10770,9 @@
           <a:bodyPr/>
           <a:lstStyle/>
           <a:p>
-            <a:fld id="{4DBC7FC8-25FB-FC45-8177-2B991DA6778C}" type="slidenum">
-              <a:rPr lang="en-US" smtClean="0"/>
-              <a:t>10</a:t>
-            </a:fld>
-            <a:endParaRPr lang="en-US"/>
-          </a:p>
-        </p:txBody>
-      </p:sp>
-      <p:sp>
-        <p:nvSpPr>
-          <p:cNvPr id="11" name="Footer Placeholder 10"/>
-          <p:cNvSpPr>
-            <a:spLocks noGrp="1"/>
-          </p:cNvSpPr>
-          <p:nvPr>
-            <p:ph type="ftr" sz="quarter" idx="11"/>
-          </p:nvPr>
-        </p:nvSpPr>
-        <p:spPr/>
-        <p:txBody>
-          <a:bodyPr/>
-          <a:lstStyle/>
-          <a:p>
-            <a:r>
-              <a:rPr lang="en-US"/>
-              <a:t>Copyright © EV3Lessons.com 2016 (Last edit: 07/04/2016)</a:t>
+            <a:r>
+              <a:rPr lang="en-US"/>
+              <a:t>Copyright © EV3Lessons.com 2020 (Last edit: 12/24/2019)</a:t>
             </a:r>
           </a:p>
         </p:txBody>
@@ -10954,19 +10941,7 @@
             </a:pPr>
             <a:r>
               <a:rPr lang="en-US" b="0" dirty="0"/>
-              <a:t>Use the Display </a:t>
-            </a:r>
-            <a:r>
-              <a:rPr lang="en-US" b="0" dirty="0" smtClean="0"/>
-              <a:t>Image for Seconds and </a:t>
-            </a:r>
-            <a:r>
-              <a:rPr lang="en-US" b="0" dirty="0"/>
-              <a:t>Motor </a:t>
-            </a:r>
-            <a:r>
-              <a:rPr lang="en-US" b="0" dirty="0" smtClean="0"/>
-              <a:t>On blocks</a:t>
+              <a:t>Use the Display Image for Seconds and Motor On blocks</a:t>
             </a:r>
           </a:p>
           <a:p>
@@ -11080,12 +11055,12 @@
       </p:pic>
       <p:sp>
         <p:nvSpPr>
-          <p:cNvPr id="11" name="Slide Number Placeholder 10"/>
-          <p:cNvSpPr>
-            <a:spLocks noGrp="1"/>
-          </p:cNvSpPr>
-          <p:nvPr>
-            <p:ph type="sldNum" sz="quarter" idx="12"/>
+          <p:cNvPr id="12" name="Footer Placeholder 11"/>
+          <p:cNvSpPr>
+            <a:spLocks noGrp="1"/>
+          </p:cNvSpPr>
+          <p:nvPr>
+            <p:ph type="ftr" sz="quarter" idx="11"/>
           </p:nvPr>
         </p:nvSpPr>
         <p:spPr/>
@@ -11093,32 +11068,9 @@
           <a:bodyPr/>
           <a:lstStyle/>
           <a:p>
-            <a:fld id="{4DBC7FC8-25FB-FC45-8177-2B991DA6778C}" type="slidenum">
-              <a:rPr lang="en-US" smtClean="0"/>
-              <a:t>11</a:t>
-            </a:fld>
-            <a:endParaRPr lang="en-US"/>
-          </a:p>
-        </p:txBody>
-      </p:sp>
-      <p:sp>
-        <p:nvSpPr>
-          <p:cNvPr id="12" name="Footer Placeholder 11"/>
-          <p:cNvSpPr>
-            <a:spLocks noGrp="1"/>
-          </p:cNvSpPr>
-          <p:nvPr>
-            <p:ph type="ftr" sz="quarter" idx="11"/>
-          </p:nvPr>
-        </p:nvSpPr>
-        <p:spPr/>
-        <p:txBody>
-          <a:bodyPr/>
-          <a:lstStyle/>
-          <a:p>
-            <a:r>
-              <a:rPr lang="en-US"/>
-              <a:t>Copyright © EV3Lessons.com 2016 (Last edit: 07/04/2016)</a:t>
+            <a:r>
+              <a:rPr lang="en-US"/>
+              <a:t>Copyright © EV3Lessons.com 2020 (Last edit: 12/24/2019)</a:t>
             </a:r>
           </a:p>
         </p:txBody>
@@ -11276,13 +11228,8 @@
           <a:p>
             <a:r>
               <a:rPr lang="en-US" dirty="0"/>
-              <a:t>Display </a:t>
-            </a:r>
-            <a:r>
-              <a:rPr lang="en-US" dirty="0" smtClean="0"/>
-              <a:t>Blocks</a:t>
-            </a:r>
-            <a:endParaRPr lang="en-US" dirty="0"/>
+              <a:t>Display Blocks</a:t>
+            </a:r>
           </a:p>
         </p:txBody>
       </p:sp>
@@ -11346,12 +11293,12 @@
       </p:sp>
       <p:sp>
         <p:nvSpPr>
-          <p:cNvPr id="12" name="Slide Number Placeholder 11"/>
-          <p:cNvSpPr>
-            <a:spLocks noGrp="1"/>
-          </p:cNvSpPr>
-          <p:nvPr>
-            <p:ph type="sldNum" sz="quarter" idx="12"/>
+          <p:cNvPr id="13" name="Footer Placeholder 12"/>
+          <p:cNvSpPr>
+            <a:spLocks noGrp="1"/>
+          </p:cNvSpPr>
+          <p:nvPr>
+            <p:ph type="ftr" sz="quarter" idx="11"/>
           </p:nvPr>
         </p:nvSpPr>
         <p:spPr/>
@@ -11359,32 +11306,9 @@
           <a:bodyPr/>
           <a:lstStyle/>
           <a:p>
-            <a:fld id="{4DBC7FC8-25FB-FC45-8177-2B991DA6778C}" type="slidenum">
-              <a:rPr lang="en-US" smtClean="0"/>
-              <a:t>12</a:t>
-            </a:fld>
-            <a:endParaRPr lang="en-US"/>
-          </a:p>
-        </p:txBody>
-      </p:sp>
-      <p:sp>
-        <p:nvSpPr>
-          <p:cNvPr id="13" name="Footer Placeholder 12"/>
-          <p:cNvSpPr>
-            <a:spLocks noGrp="1"/>
-          </p:cNvSpPr>
-          <p:nvPr>
-            <p:ph type="ftr" sz="quarter" idx="11"/>
-          </p:nvPr>
-        </p:nvSpPr>
-        <p:spPr/>
-        <p:txBody>
-          <a:bodyPr/>
-          <a:lstStyle/>
-          <a:p>
-            <a:r>
-              <a:rPr lang="en-US"/>
-              <a:t>Copyright © EV3Lessons.com 2016 (Last edit: 07/04/2016)</a:t>
+            <a:r>
+              <a:rPr lang="en-US"/>
+              <a:t>Copyright © EV3Lessons.com 2020 (Last edit: 12/24/2019)</a:t>
             </a:r>
           </a:p>
         </p:txBody>
@@ -11532,12 +11456,12 @@
       </p:sp>
       <p:sp>
         <p:nvSpPr>
-          <p:cNvPr id="8" name="Slide Number Placeholder 7"/>
-          <p:cNvSpPr>
-            <a:spLocks noGrp="1"/>
-          </p:cNvSpPr>
-          <p:nvPr>
-            <p:ph type="sldNum" sz="quarter" idx="12"/>
+          <p:cNvPr id="9" name="Footer Placeholder 8"/>
+          <p:cNvSpPr>
+            <a:spLocks noGrp="1"/>
+          </p:cNvSpPr>
+          <p:nvPr>
+            <p:ph type="ftr" sz="quarter" idx="11"/>
           </p:nvPr>
         </p:nvSpPr>
         <p:spPr/>
@@ -11545,32 +11469,9 @@
           <a:bodyPr/>
           <a:lstStyle/>
           <a:p>
-            <a:fld id="{4DBC7FC8-25FB-FC45-8177-2B991DA6778C}" type="slidenum">
-              <a:rPr lang="en-US" smtClean="0"/>
-              <a:t>13</a:t>
-            </a:fld>
-            <a:endParaRPr lang="en-US"/>
-          </a:p>
-        </p:txBody>
-      </p:sp>
-      <p:sp>
-        <p:nvSpPr>
-          <p:cNvPr id="9" name="Footer Placeholder 8"/>
-          <p:cNvSpPr>
-            <a:spLocks noGrp="1"/>
-          </p:cNvSpPr>
-          <p:nvPr>
-            <p:ph type="ftr" sz="quarter" idx="11"/>
-          </p:nvPr>
-        </p:nvSpPr>
-        <p:spPr/>
-        <p:txBody>
-          <a:bodyPr/>
-          <a:lstStyle/>
-          <a:p>
-            <a:r>
-              <a:rPr lang="en-US"/>
-              <a:t>Copyright © EV3Lessons.com 2016 (Last edit: 07/04/2016)</a:t>
+            <a:r>
+              <a:rPr lang="en-US"/>
+              <a:t>Copyright © EV3Lessons.com 2020 (Last edit: 12/24/2019)</a:t>
             </a:r>
           </a:p>
         </p:txBody>
@@ -11672,10 +11573,6 @@
               <a:rPr lang="en-US" sz="1800" dirty="0"/>
               <a:t>More lessons are available at www.ev3lessons.com</a:t>
             </a:r>
-            <a:r>
-              <a:rPr lang="en-US" sz="1800" b="0" dirty="0"/>
-              <a:t/>
-            </a:r>
             <a:br>
               <a:rPr lang="en-US" sz="1800" b="0" dirty="0"/>
             </a:br>
@@ -11708,7 +11605,7 @@
           <a:effectLst/>
           <a:extLst>
             <a:ext uri="{91240B29-F687-4f45-9708-019B960494DF}">
-              <a14:hiddenLine xmlns:a14="http://schemas.microsoft.com/office/drawing/2010/main" w="9525">
+              <a14:hiddenLine xmlns:a14="http://schemas.microsoft.com/office/drawing/2010/main" xmlns="" w="9525">
                 <a:solidFill>
                   <a:schemeClr val="tx1"/>
                 </a:solidFill>
@@ -11718,7 +11615,7 @@
               </a14:hiddenLine>
             </a:ext>
             <a:ext uri="{AF507438-7753-43e0-B8FC-AC1667EBCBE1}">
-              <a14:hiddenEffects xmlns:a14="http://schemas.microsoft.com/office/drawing/2010/main">
+              <a14:hiddenEffects xmlns:a14="http://schemas.microsoft.com/office/drawing/2010/main" xmlns="">
                 <a:effectLst>
                   <a:outerShdw dist="35921" dir="2700000" algn="ctr" rotWithShape="0">
                     <a:schemeClr val="bg2"/>
@@ -11893,18 +11790,6 @@
               </a:rPr>
               <a:t>                         </a:t>
             </a:r>
-            <a:r>
-              <a:rPr kumimoji="0" lang="en-US" altLang="en-US" sz="1600" b="0" i="0" u="none" strike="noStrike" cap="none" normalizeH="0" baseline="0" dirty="0">
-                <a:ln>
-                  <a:noFill/>
-                </a:ln>
-                <a:solidFill>
-                  <a:schemeClr val="tx1"/>
-                </a:solidFill>
-                <a:effectLst/>
-              </a:rPr>
-              <a:t/>
-            </a:r>
             <a:br>
               <a:rPr kumimoji="0" lang="en-US" altLang="en-US" sz="1600" b="0" i="0" u="none" strike="noStrike" cap="none" normalizeH="0" baseline="0" dirty="0">
                 <a:ln>
@@ -12071,7 +11956,7 @@
           <a:noFill/>
           <a:extLst>
             <a:ext uri="{909E8E84-426E-40dd-AFC4-6F175D3DCCD1}">
-              <a14:hiddenFill xmlns:a14="http://schemas.microsoft.com/office/drawing/2010/main">
+              <a14:hiddenFill xmlns:a14="http://schemas.microsoft.com/office/drawing/2010/main" xmlns="">
                 <a:solidFill>
                   <a:srgbClr val="FFFFFF"/>
                 </a:solidFill>
@@ -12082,12 +11967,12 @@
       </p:pic>
       <p:sp>
         <p:nvSpPr>
-          <p:cNvPr id="9" name="Slide Number Placeholder 8"/>
-          <p:cNvSpPr>
-            <a:spLocks noGrp="1"/>
-          </p:cNvSpPr>
-          <p:nvPr>
-            <p:ph type="sldNum" sz="quarter" idx="12"/>
+          <p:cNvPr id="10" name="Footer Placeholder 9"/>
+          <p:cNvSpPr>
+            <a:spLocks noGrp="1"/>
+          </p:cNvSpPr>
+          <p:nvPr>
+            <p:ph type="ftr" sz="quarter" idx="11"/>
           </p:nvPr>
         </p:nvSpPr>
         <p:spPr/>
@@ -12095,32 +11980,9 @@
           <a:bodyPr/>
           <a:lstStyle/>
           <a:p>
-            <a:fld id="{4DBC7FC8-25FB-FC45-8177-2B991DA6778C}" type="slidenum">
-              <a:rPr lang="en-US" smtClean="0"/>
-              <a:t>14</a:t>
-            </a:fld>
-            <a:endParaRPr lang="en-US"/>
-          </a:p>
-        </p:txBody>
-      </p:sp>
-      <p:sp>
-        <p:nvSpPr>
-          <p:cNvPr id="10" name="Footer Placeholder 9"/>
-          <p:cNvSpPr>
-            <a:spLocks noGrp="1"/>
-          </p:cNvSpPr>
-          <p:nvPr>
-            <p:ph type="ftr" sz="quarter" idx="11"/>
-          </p:nvPr>
-        </p:nvSpPr>
-        <p:spPr/>
-        <p:txBody>
-          <a:bodyPr/>
-          <a:lstStyle/>
-          <a:p>
-            <a:r>
-              <a:rPr lang="en-US"/>
-              <a:t>Copyright © EV3Lessons.com 2016 (Last edit: 07/04/2016)</a:t>
+            <a:r>
+              <a:rPr lang="en-US"/>
+              <a:t>Copyright © EV3Lessons.com 2020 (Last edit: 12/24/2019)</a:t>
             </a:r>
           </a:p>
         </p:txBody>
@@ -12215,12 +12077,12 @@
       </p:sp>
       <p:sp>
         <p:nvSpPr>
-          <p:cNvPr id="8" name="Slide Number Placeholder 7"/>
-          <p:cNvSpPr>
-            <a:spLocks noGrp="1"/>
-          </p:cNvSpPr>
-          <p:nvPr>
-            <p:ph type="sldNum" sz="quarter" idx="12"/>
+          <p:cNvPr id="9" name="Footer Placeholder 8"/>
+          <p:cNvSpPr>
+            <a:spLocks noGrp="1"/>
+          </p:cNvSpPr>
+          <p:nvPr>
+            <p:ph type="ftr" sz="quarter" idx="11"/>
           </p:nvPr>
         </p:nvSpPr>
         <p:spPr/>
@@ -12228,32 +12090,9 @@
           <a:bodyPr/>
           <a:lstStyle/>
           <a:p>
-            <a:fld id="{4DBC7FC8-25FB-FC45-8177-2B991DA6778C}" type="slidenum">
-              <a:rPr lang="en-US" smtClean="0"/>
-              <a:t>2</a:t>
-            </a:fld>
-            <a:endParaRPr lang="en-US"/>
-          </a:p>
-        </p:txBody>
-      </p:sp>
-      <p:sp>
-        <p:nvSpPr>
-          <p:cNvPr id="9" name="Footer Placeholder 8"/>
-          <p:cNvSpPr>
-            <a:spLocks noGrp="1"/>
-          </p:cNvSpPr>
-          <p:nvPr>
-            <p:ph type="ftr" sz="quarter" idx="11"/>
-          </p:nvPr>
-        </p:nvSpPr>
-        <p:spPr/>
-        <p:txBody>
-          <a:bodyPr/>
-          <a:lstStyle/>
-          <a:p>
-            <a:r>
-              <a:rPr lang="en-US"/>
-              <a:t>Copyright © EV3Lessons.com 2016 (Last edit: 07/04/2016)</a:t>
+            <a:r>
+              <a:rPr lang="en-US"/>
+              <a:t>Copyright © EV3Lessons.com 2020 (Last edit: 12/24/2019)</a:t>
             </a:r>
           </a:p>
         </p:txBody>
@@ -12341,7 +12180,7 @@
             </a:pPr>
             <a:r>
               <a:rPr lang="en-US" b="0" dirty="0"/>
-              <a:t>The Display Block to show information and pictures on the screen</a:t>
+              <a:t>The Display Block can show information and pictures on the screen</a:t>
             </a:r>
           </a:p>
           <a:p>
@@ -12378,12 +12217,12 @@
       </p:sp>
       <p:sp>
         <p:nvSpPr>
-          <p:cNvPr id="10" name="Slide Number Placeholder 9"/>
-          <p:cNvSpPr>
-            <a:spLocks noGrp="1"/>
-          </p:cNvSpPr>
-          <p:nvPr>
-            <p:ph type="sldNum" sz="quarter" idx="12"/>
+          <p:cNvPr id="11" name="Footer Placeholder 10"/>
+          <p:cNvSpPr>
+            <a:spLocks noGrp="1"/>
+          </p:cNvSpPr>
+          <p:nvPr>
+            <p:ph type="ftr" sz="quarter" idx="11"/>
           </p:nvPr>
         </p:nvSpPr>
         <p:spPr/>
@@ -12391,32 +12230,9 @@
           <a:bodyPr/>
           <a:lstStyle/>
           <a:p>
-            <a:fld id="{4DBC7FC8-25FB-FC45-8177-2B991DA6778C}" type="slidenum">
-              <a:rPr lang="en-US" smtClean="0"/>
-              <a:t>3</a:t>
-            </a:fld>
-            <a:endParaRPr lang="en-US"/>
-          </a:p>
-        </p:txBody>
-      </p:sp>
-      <p:sp>
-        <p:nvSpPr>
-          <p:cNvPr id="11" name="Footer Placeholder 10"/>
-          <p:cNvSpPr>
-            <a:spLocks noGrp="1"/>
-          </p:cNvSpPr>
-          <p:nvPr>
-            <p:ph type="ftr" sz="quarter" idx="11"/>
-          </p:nvPr>
-        </p:nvSpPr>
-        <p:spPr/>
-        <p:txBody>
-          <a:bodyPr/>
-          <a:lstStyle/>
-          <a:p>
-            <a:r>
-              <a:rPr lang="en-US"/>
-              <a:t>Copyright © EV3Lessons.com 2016 (Last edit: 07/04/2016)</a:t>
+            <a:r>
+              <a:rPr lang="en-US"/>
+              <a:t>Copyright © EV3Lessons.com 2020 (Last edit: 12/24/2019)</a:t>
             </a:r>
           </a:p>
         </p:txBody>
@@ -12426,7 +12242,7 @@
           <p:cNvPr id="4" name="Picture 3">
             <a:extLst>
               <a:ext uri="{FF2B5EF4-FFF2-40B4-BE49-F238E27FC236}">
-                <a16:creationId xmlns:a16="http://schemas.microsoft.com/office/drawing/2014/main" xmlns="" id="{2C01B10C-94DA-3A4B-8277-DCC8B924138D}"/>
+                <a16:creationId xmlns:a16="http://schemas.microsoft.com/office/drawing/2014/main" id="{2C01B10C-94DA-3A4B-8277-DCC8B924138D}"/>
               </a:ext>
             </a:extLst>
           </p:cNvPr>
@@ -12612,12 +12428,12 @@
       </p:sp>
       <p:sp>
         <p:nvSpPr>
-          <p:cNvPr id="5" name="Slide Number Placeholder 4"/>
-          <p:cNvSpPr>
-            <a:spLocks noGrp="1"/>
-          </p:cNvSpPr>
-          <p:nvPr>
-            <p:ph type="sldNum" sz="quarter" idx="12"/>
+          <p:cNvPr id="8" name="Footer Placeholder 7"/>
+          <p:cNvSpPr>
+            <a:spLocks noGrp="1"/>
+          </p:cNvSpPr>
+          <p:nvPr>
+            <p:ph type="ftr" sz="quarter" idx="11"/>
           </p:nvPr>
         </p:nvSpPr>
         <p:spPr/>
@@ -12625,32 +12441,9 @@
           <a:bodyPr/>
           <a:lstStyle/>
           <a:p>
-            <a:fld id="{4DBC7FC8-25FB-FC45-8177-2B991DA6778C}" type="slidenum">
-              <a:rPr lang="en-US" smtClean="0"/>
-              <a:t>4</a:t>
-            </a:fld>
-            <a:endParaRPr lang="en-US"/>
-          </a:p>
-        </p:txBody>
-      </p:sp>
-      <p:sp>
-        <p:nvSpPr>
-          <p:cNvPr id="8" name="Footer Placeholder 7"/>
-          <p:cNvSpPr>
-            <a:spLocks noGrp="1"/>
-          </p:cNvSpPr>
-          <p:nvPr>
-            <p:ph type="ftr" sz="quarter" idx="11"/>
-          </p:nvPr>
-        </p:nvSpPr>
-        <p:spPr/>
-        <p:txBody>
-          <a:bodyPr/>
-          <a:lstStyle/>
-          <a:p>
-            <a:r>
-              <a:rPr lang="en-US"/>
-              <a:t>Copyright © EV3Lessons.com 2016 (Last edit: 07/04/2016)</a:t>
+            <a:r>
+              <a:rPr lang="en-US"/>
+              <a:t>Copyright © EV3Lessons.com 2020 (Last edit: 12/24/2019)</a:t>
             </a:r>
           </a:p>
         </p:txBody>
@@ -12660,7 +12453,7 @@
           <p:cNvPr id="3" name="Picture 2">
             <a:extLst>
               <a:ext uri="{FF2B5EF4-FFF2-40B4-BE49-F238E27FC236}">
-                <a16:creationId xmlns:a16="http://schemas.microsoft.com/office/drawing/2014/main" xmlns="" id="{8ACC2C12-DAAB-9F46-A8EC-C4EFA92F269D}"/>
+                <a16:creationId xmlns:a16="http://schemas.microsoft.com/office/drawing/2014/main" id="{8ACC2C12-DAAB-9F46-A8EC-C4EFA92F269D}"/>
               </a:ext>
             </a:extLst>
           </p:cNvPr>
@@ -12689,7 +12482,7 @@
           <p:cNvPr id="4" name="Picture 3">
             <a:extLst>
               <a:ext uri="{FF2B5EF4-FFF2-40B4-BE49-F238E27FC236}">
-                <a16:creationId xmlns:a16="http://schemas.microsoft.com/office/drawing/2014/main" xmlns="" id="{73012978-BF72-9F45-82B1-7CB528001DFD}"/>
+                <a16:creationId xmlns:a16="http://schemas.microsoft.com/office/drawing/2014/main" id="{73012978-BF72-9F45-82B1-7CB528001DFD}"/>
               </a:ext>
             </a:extLst>
           </p:cNvPr>
@@ -12718,7 +12511,7 @@
           <p:cNvPr id="9" name="Picture 8">
             <a:extLst>
               <a:ext uri="{FF2B5EF4-FFF2-40B4-BE49-F238E27FC236}">
-                <a16:creationId xmlns:a16="http://schemas.microsoft.com/office/drawing/2014/main" xmlns="" id="{7C42EF03-5CC2-4839-A008-09ADA868E79F}"/>
+                <a16:creationId xmlns:a16="http://schemas.microsoft.com/office/drawing/2014/main" id="{7C42EF03-5CC2-4839-A008-09ADA868E79F}"/>
               </a:ext>
             </a:extLst>
           </p:cNvPr>
@@ -12777,7 +12570,7 @@
           <p:cNvPr id="3" name="Picture 2">
             <a:extLst>
               <a:ext uri="{FF2B5EF4-FFF2-40B4-BE49-F238E27FC236}">
-                <a16:creationId xmlns:a16="http://schemas.microsoft.com/office/drawing/2014/main" xmlns="" id="{A90745A9-9690-7F4F-9E21-D54CF928F021}"/>
+                <a16:creationId xmlns:a16="http://schemas.microsoft.com/office/drawing/2014/main" id="{A90745A9-9690-7F4F-9E21-D54CF928F021}"/>
               </a:ext>
             </a:extLst>
           </p:cNvPr>
@@ -12851,7 +12644,7 @@
           </a:ln>
           <a:extLst>
             <a:ext uri="{909E8E84-426E-40dd-AFC4-6F175D3DCCD1}">
-              <a14:hiddenFill xmlns:a14="http://schemas.microsoft.com/office/drawing/2010/main">
+              <a14:hiddenFill xmlns:a14="http://schemas.microsoft.com/office/drawing/2010/main" xmlns="">
                 <a:solidFill>
                   <a:srgbClr val="FFFFFF"/>
                 </a:solidFill>
@@ -13074,7 +12867,7 @@
           </a:ln>
           <a:extLst>
             <a:ext uri="{909E8E84-426E-40dd-AFC4-6F175D3DCCD1}">
-              <a14:hiddenFill xmlns:a14="http://schemas.microsoft.com/office/drawing/2010/main">
+              <a14:hiddenFill xmlns:a14="http://schemas.microsoft.com/office/drawing/2010/main" xmlns="">
                 <a:solidFill>
                   <a:srgbClr val="FFFFFF"/>
                 </a:solidFill>
@@ -13297,7 +13090,7 @@
           </a:ln>
           <a:extLst>
             <a:ext uri="{909E8E84-426E-40dd-AFC4-6F175D3DCCD1}">
-              <a14:hiddenFill xmlns:a14="http://schemas.microsoft.com/office/drawing/2010/main">
+              <a14:hiddenFill xmlns:a14="http://schemas.microsoft.com/office/drawing/2010/main" xmlns="">
                 <a:solidFill>
                   <a:srgbClr val="FFFFFF"/>
                 </a:solidFill>
@@ -13520,7 +13313,7 @@
           </a:ln>
           <a:extLst>
             <a:ext uri="{909E8E84-426E-40dd-AFC4-6F175D3DCCD1}">
-              <a14:hiddenFill xmlns:a14="http://schemas.microsoft.com/office/drawing/2010/main">
+              <a14:hiddenFill xmlns:a14="http://schemas.microsoft.com/office/drawing/2010/main" xmlns="">
                 <a:solidFill>
                   <a:srgbClr val="FFFFFF"/>
                 </a:solidFill>
@@ -13944,12 +13737,12 @@
       </p:sp>
       <p:sp>
         <p:nvSpPr>
-          <p:cNvPr id="6" name="Slide Number Placeholder 5"/>
-          <p:cNvSpPr>
-            <a:spLocks noGrp="1"/>
-          </p:cNvSpPr>
-          <p:nvPr>
-            <p:ph type="sldNum" sz="quarter" idx="12"/>
+          <p:cNvPr id="7" name="Footer Placeholder 6"/>
+          <p:cNvSpPr>
+            <a:spLocks noGrp="1"/>
+          </p:cNvSpPr>
+          <p:nvPr>
+            <p:ph type="ftr" sz="quarter" idx="11"/>
           </p:nvPr>
         </p:nvSpPr>
         <p:spPr/>
@@ -13957,32 +13750,9 @@
           <a:bodyPr/>
           <a:lstStyle/>
           <a:p>
-            <a:fld id="{4DBC7FC8-25FB-FC45-8177-2B991DA6778C}" type="slidenum">
-              <a:rPr lang="en-US" smtClean="0"/>
-              <a:t>5</a:t>
-            </a:fld>
-            <a:endParaRPr lang="en-US"/>
-          </a:p>
-        </p:txBody>
-      </p:sp>
-      <p:sp>
-        <p:nvSpPr>
-          <p:cNvPr id="7" name="Footer Placeholder 6"/>
-          <p:cNvSpPr>
-            <a:spLocks noGrp="1"/>
-          </p:cNvSpPr>
-          <p:nvPr>
-            <p:ph type="ftr" sz="quarter" idx="11"/>
-          </p:nvPr>
-        </p:nvSpPr>
-        <p:spPr/>
-        <p:txBody>
-          <a:bodyPr/>
-          <a:lstStyle/>
-          <a:p>
-            <a:r>
-              <a:rPr lang="en-US"/>
-              <a:t>Copyright © EV3Lessons.com 2016 (Last edit: 07/04/2016)</a:t>
+            <a:r>
+              <a:rPr lang="en-US"/>
+              <a:t>Copyright © EV3Lessons.com 2020 (Last edit: 12/24/2019)</a:t>
             </a:r>
           </a:p>
         </p:txBody>
@@ -13992,7 +13762,7 @@
           <p:cNvPr id="2" name="Picture 1">
             <a:extLst>
               <a:ext uri="{FF2B5EF4-FFF2-40B4-BE49-F238E27FC236}">
-                <a16:creationId xmlns:a16="http://schemas.microsoft.com/office/drawing/2014/main" xmlns="" id="{D45CF13B-5FA9-9245-BD2C-ED57465FE28C}"/>
+                <a16:creationId xmlns:a16="http://schemas.microsoft.com/office/drawing/2014/main" id="{D45CF13B-5FA9-9245-BD2C-ED57465FE28C}"/>
               </a:ext>
             </a:extLst>
           </p:cNvPr>
@@ -14125,12 +13895,12 @@
       </p:sp>
       <p:sp>
         <p:nvSpPr>
-          <p:cNvPr id="4" name="Slide Number Placeholder 3"/>
-          <p:cNvSpPr>
-            <a:spLocks noGrp="1"/>
-          </p:cNvSpPr>
-          <p:nvPr>
-            <p:ph type="sldNum" sz="quarter" idx="12"/>
+          <p:cNvPr id="7" name="Footer Placeholder 6"/>
+          <p:cNvSpPr>
+            <a:spLocks noGrp="1"/>
+          </p:cNvSpPr>
+          <p:nvPr>
+            <p:ph type="ftr" sz="quarter" idx="11"/>
           </p:nvPr>
         </p:nvSpPr>
         <p:spPr/>
@@ -14138,32 +13908,9 @@
           <a:bodyPr/>
           <a:lstStyle/>
           <a:p>
-            <a:fld id="{4DBC7FC8-25FB-FC45-8177-2B991DA6778C}" type="slidenum">
-              <a:rPr lang="en-US" smtClean="0"/>
-              <a:t>6</a:t>
-            </a:fld>
-            <a:endParaRPr lang="en-US"/>
-          </a:p>
-        </p:txBody>
-      </p:sp>
-      <p:sp>
-        <p:nvSpPr>
-          <p:cNvPr id="7" name="Footer Placeholder 6"/>
-          <p:cNvSpPr>
-            <a:spLocks noGrp="1"/>
-          </p:cNvSpPr>
-          <p:nvPr>
-            <p:ph type="ftr" sz="quarter" idx="11"/>
-          </p:nvPr>
-        </p:nvSpPr>
-        <p:spPr/>
-        <p:txBody>
-          <a:bodyPr/>
-          <a:lstStyle/>
-          <a:p>
-            <a:r>
-              <a:rPr lang="en-US"/>
-              <a:t>Copyright © EV3Lessons.com 2016 (Last edit: 07/04/2016)</a:t>
+            <a:r>
+              <a:rPr lang="en-US"/>
+              <a:t>Copyright © EV3Lessons.com 2020 (Last edit: 12/24/2019)</a:t>
             </a:r>
           </a:p>
         </p:txBody>
@@ -14227,12 +13974,12 @@
       </p:sp>
       <p:sp>
         <p:nvSpPr>
-          <p:cNvPr id="7" name="Slide Number Placeholder 6"/>
-          <p:cNvSpPr>
-            <a:spLocks noGrp="1"/>
-          </p:cNvSpPr>
-          <p:nvPr>
-            <p:ph type="sldNum" sz="quarter" idx="12"/>
+          <p:cNvPr id="8" name="Footer Placeholder 7"/>
+          <p:cNvSpPr>
+            <a:spLocks noGrp="1"/>
+          </p:cNvSpPr>
+          <p:nvPr>
+            <p:ph type="ftr" sz="quarter" idx="11"/>
           </p:nvPr>
         </p:nvSpPr>
         <p:spPr/>
@@ -14240,32 +13987,9 @@
           <a:bodyPr/>
           <a:lstStyle/>
           <a:p>
-            <a:fld id="{4DBC7FC8-25FB-FC45-8177-2B991DA6778C}" type="slidenum">
-              <a:rPr lang="en-US" smtClean="0"/>
-              <a:t>7</a:t>
-            </a:fld>
-            <a:endParaRPr lang="en-US"/>
-          </a:p>
-        </p:txBody>
-      </p:sp>
-      <p:sp>
-        <p:nvSpPr>
-          <p:cNvPr id="8" name="Footer Placeholder 7"/>
-          <p:cNvSpPr>
-            <a:spLocks noGrp="1"/>
-          </p:cNvSpPr>
-          <p:nvPr>
-            <p:ph type="ftr" sz="quarter" idx="11"/>
-          </p:nvPr>
-        </p:nvSpPr>
-        <p:spPr/>
-        <p:txBody>
-          <a:bodyPr/>
-          <a:lstStyle/>
-          <a:p>
-            <a:r>
-              <a:rPr lang="en-US"/>
-              <a:t>Copyright © EV3Lessons.com 2016 (Last edit: 07/04/2016)</a:t>
+            <a:r>
+              <a:rPr lang="en-US"/>
+              <a:t>Copyright © EV3Lessons.com 2020 (Last edit: 12/24/2019)</a:t>
             </a:r>
           </a:p>
         </p:txBody>
@@ -14275,7 +13999,7 @@
           <p:cNvPr id="2" name="Picture 1">
             <a:extLst>
               <a:ext uri="{FF2B5EF4-FFF2-40B4-BE49-F238E27FC236}">
-                <a16:creationId xmlns:a16="http://schemas.microsoft.com/office/drawing/2014/main" xmlns="" id="{EE80F85E-4C77-A341-84C6-E351DB7B8D27}"/>
+                <a16:creationId xmlns:a16="http://schemas.microsoft.com/office/drawing/2014/main" id="{EE80F85E-4C77-A341-84C6-E351DB7B8D27}"/>
               </a:ext>
             </a:extLst>
           </p:cNvPr>
@@ -14385,12 +14109,12 @@
       </p:sp>
       <p:sp>
         <p:nvSpPr>
-          <p:cNvPr id="8" name="Slide Number Placeholder 7"/>
-          <p:cNvSpPr>
-            <a:spLocks noGrp="1"/>
-          </p:cNvSpPr>
-          <p:nvPr>
-            <p:ph type="sldNum" sz="quarter" idx="12"/>
+          <p:cNvPr id="9" name="Footer Placeholder 8"/>
+          <p:cNvSpPr>
+            <a:spLocks noGrp="1"/>
+          </p:cNvSpPr>
+          <p:nvPr>
+            <p:ph type="ftr" sz="quarter" idx="11"/>
           </p:nvPr>
         </p:nvSpPr>
         <p:spPr/>
@@ -14398,32 +14122,9 @@
           <a:bodyPr/>
           <a:lstStyle/>
           <a:p>
-            <a:fld id="{4DBC7FC8-25FB-FC45-8177-2B991DA6778C}" type="slidenum">
-              <a:rPr lang="en-US" smtClean="0"/>
-              <a:t>8</a:t>
-            </a:fld>
-            <a:endParaRPr lang="en-US"/>
-          </a:p>
-        </p:txBody>
-      </p:sp>
-      <p:sp>
-        <p:nvSpPr>
-          <p:cNvPr id="9" name="Footer Placeholder 8"/>
-          <p:cNvSpPr>
-            <a:spLocks noGrp="1"/>
-          </p:cNvSpPr>
-          <p:nvPr>
-            <p:ph type="ftr" sz="quarter" idx="11"/>
-          </p:nvPr>
-        </p:nvSpPr>
-        <p:spPr/>
-        <p:txBody>
-          <a:bodyPr/>
-          <a:lstStyle/>
-          <a:p>
-            <a:r>
-              <a:rPr lang="en-US"/>
-              <a:t>Copyright © EV3Lessons.com 2016 (Last edit: 07/04/2016)</a:t>
+            <a:r>
+              <a:rPr lang="en-US"/>
+              <a:t>Copyright © EV3Lessons.com 2020 (Last edit: 12/24/2019)</a:t>
             </a:r>
           </a:p>
         </p:txBody>
@@ -14485,7 +14186,7 @@
           <p:cNvPr id="3" name="Content Placeholder 2">
             <a:extLst>
               <a:ext uri="{FF2B5EF4-FFF2-40B4-BE49-F238E27FC236}">
-                <a16:creationId xmlns:a16="http://schemas.microsoft.com/office/drawing/2014/main" xmlns="" id="{E58C0068-EFE9-49D1-8314-E19658D629C7}"/>
+                <a16:creationId xmlns:a16="http://schemas.microsoft.com/office/drawing/2014/main" id="{E58C0068-EFE9-49D1-8314-E19658D629C7}"/>
               </a:ext>
             </a:extLst>
           </p:cNvPr>
@@ -14536,31 +14237,8 @@
           <a:p>
             <a:r>
               <a:rPr lang="en-US"/>
-              <a:t>Copyright © EV3Lessons.com 2016 (Last edit: 07/04/2016)</a:t>
-            </a:r>
-          </a:p>
-        </p:txBody>
-      </p:sp>
-      <p:sp>
-        <p:nvSpPr>
-          <p:cNvPr id="8" name="Slide Number Placeholder 7"/>
-          <p:cNvSpPr>
-            <a:spLocks noGrp="1"/>
-          </p:cNvSpPr>
-          <p:nvPr>
-            <p:ph type="sldNum" sz="quarter" idx="12"/>
-          </p:nvPr>
-        </p:nvSpPr>
-        <p:spPr/>
-        <p:txBody>
-          <a:bodyPr/>
-          <a:lstStyle/>
-          <a:p>
-            <a:fld id="{4DBC7FC8-25FB-FC45-8177-2B991DA6778C}" type="slidenum">
-              <a:rPr lang="en-US" smtClean="0"/>
-              <a:t>9</a:t>
-            </a:fld>
-            <a:endParaRPr lang="en-US"/>
+              <a:t>Copyright © EV3Lessons.com 2020 (Last edit: 12/24/2019)</a:t>
+            </a:r>
           </a:p>
         </p:txBody>
       </p:sp>
@@ -14569,7 +14247,7 @@
           <p:cNvPr id="7" name="Picture 6">
             <a:extLst>
               <a:ext uri="{FF2B5EF4-FFF2-40B4-BE49-F238E27FC236}">
-                <a16:creationId xmlns:a16="http://schemas.microsoft.com/office/drawing/2014/main" xmlns="" id="{696FF2C0-3995-0043-BD05-A8DBA1CCF16B}"/>
+                <a16:creationId xmlns:a16="http://schemas.microsoft.com/office/drawing/2014/main" id="{696FF2C0-3995-0043-BD05-A8DBA1CCF16B}"/>
               </a:ext>
             </a:extLst>
           </p:cNvPr>
@@ -14862,7 +14540,7 @@
   <a:extraClrSchemeLst/>
   <a:extLst>
     <a:ext uri="{05A4C25C-085E-4340-85A3-A5531E510DB2}">
-      <thm15:themeFamily xmlns:thm15="http://schemas.microsoft.com/office/thememl/2012/main" xmlns="" name="Office Theme" id="{62F939B6-93AF-4DB8-9C6B-D6C7DFDC589F}" vid="{4A3C46E8-61CC-4603-A589-7422A47A8E4A}"/>
+      <thm15:themeFamily xmlns:thm15="http://schemas.microsoft.com/office/thememl/2012/main" name="Office Theme" id="{62F939B6-93AF-4DB8-9C6B-D6C7DFDC589F}" vid="{4A3C46E8-61CC-4603-A589-7422A47A8E4A}"/>
     </a:ext>
   </a:extLst>
 </a:theme>
@@ -15120,7 +14798,7 @@
   <a:extraClrSchemeLst/>
   <a:extLst>
     <a:ext uri="{05A4C25C-085E-4340-85A3-A5531E510DB2}">
-      <thm15:themeFamily xmlns:thm15="http://schemas.microsoft.com/office/thememl/2012/main" xmlns="" name="beginner" id="{AEF29D72-34CC-C448-A679-08550D2D21D1}" vid="{04B54D62-7BE5-DF47-9F85-5B9FEF4E3E09}"/>
+      <thm15:themeFamily xmlns:thm15="http://schemas.microsoft.com/office/thememl/2012/main" name="beginner" id="{AEF29D72-34CC-C448-A679-08550D2D21D1}" vid="{04B54D62-7BE5-DF47-9F85-5B9FEF4E3E09}"/>
     </a:ext>
   </a:extLst>
 </a:theme>
@@ -15381,7 +15059,7 @@
   <a:extraClrSchemeLst/>
   <a:extLst>
     <a:ext uri="{05A4C25C-085E-4340-85A3-A5531E510DB2}">
-      <thm15:themeFamily xmlns:thm15="http://schemas.microsoft.com/office/thememl/2012/main" xmlns="" name="Office Theme" id="{62F939B6-93AF-4DB8-9C6B-D6C7DFDC589F}" vid="{4A3C46E8-61CC-4603-A589-7422A47A8E4A}"/>
+      <thm15:themeFamily xmlns:thm15="http://schemas.microsoft.com/office/thememl/2012/main" name="Office Theme" id="{62F939B6-93AF-4DB8-9C6B-D6C7DFDC589F}" vid="{4A3C46E8-61CC-4603-A589-7422A47A8E4A}"/>
     </a:ext>
   </a:extLst>
 </a:theme>
